--- a/Trial_design.pptx
+++ b/Trial_design.pptx
@@ -226,7 +226,7 @@
             <a:fld id="{898E4D98-47E6-44D7-9DDF-A0B840D91C4D}" type="datetimeFigureOut">
               <a:rPr lang="en-US" smtClean="0"/>
               <a:pPr/>
-              <a:t>5/14/2015</a:t>
+              <a:t>8/23/18</a:t>
             </a:fld>
             <a:endParaRPr lang="en-GB"/>
           </a:p>
@@ -393,7 +393,7 @@
             <a:fld id="{B4C33AE1-670C-47FE-BBEC-C865878361C6}" type="datetimeFigureOut">
               <a:rPr lang="en-US" smtClean="0"/>
               <a:pPr/>
-              <a:t>5/14/2015</a:t>
+              <a:t>8/23/18</a:t>
             </a:fld>
             <a:endParaRPr lang="en-GB"/>
           </a:p>
@@ -459,35 +459,35 @@
           <a:p>
             <a:pPr lvl="0"/>
             <a:r>
-              <a:rPr lang="en-US" smtClean="0"/>
+              <a:rPr lang="en-US"/>
               <a:t>Click to edit Master text styles</a:t>
             </a:r>
           </a:p>
           <a:p>
             <a:pPr lvl="1"/>
             <a:r>
-              <a:rPr lang="en-US" smtClean="0"/>
+              <a:rPr lang="en-US"/>
               <a:t>Second level</a:t>
             </a:r>
           </a:p>
           <a:p>
             <a:pPr lvl="2"/>
             <a:r>
-              <a:rPr lang="en-US" smtClean="0"/>
+              <a:rPr lang="en-US"/>
               <a:t>Third level</a:t>
             </a:r>
           </a:p>
           <a:p>
             <a:pPr lvl="3"/>
             <a:r>
-              <a:rPr lang="en-US" smtClean="0"/>
+              <a:rPr lang="en-US"/>
               <a:t>Fourth level</a:t>
             </a:r>
           </a:p>
           <a:p>
             <a:pPr lvl="4"/>
             <a:r>
-              <a:rPr lang="en-US" smtClean="0"/>
+              <a:rPr lang="en-US"/>
               <a:t>Fifth level</a:t>
             </a:r>
             <a:endParaRPr lang="en-GB"/>
@@ -664,6 +664,102 @@
 </p:notesMaster>
 </file>
 
+<file path=ppt/notesSlides/notesSlide1.xml><?xml version="1.0" encoding="utf-8"?>
+<p:notes xmlns:a="http://schemas.openxmlformats.org/drawingml/2006/main" xmlns:r="http://schemas.openxmlformats.org/officeDocument/2006/relationships" xmlns:p="http://schemas.openxmlformats.org/presentationml/2006/main">
+  <p:cSld>
+    <p:spTree>
+      <p:nvGrpSpPr>
+        <p:cNvPr id="1" name=""/>
+        <p:cNvGrpSpPr/>
+        <p:nvPr/>
+      </p:nvGrpSpPr>
+      <p:grpSpPr>
+        <a:xfrm>
+          <a:off x="0" y="0"/>
+          <a:ext cx="0" cy="0"/>
+          <a:chOff x="0" y="0"/>
+          <a:chExt cx="0" cy="0"/>
+        </a:xfrm>
+      </p:grpSpPr>
+      <p:sp>
+        <p:nvSpPr>
+          <p:cNvPr id="2" name="Slide Image Placeholder 1"/>
+          <p:cNvSpPr>
+            <a:spLocks noGrp="1" noRot="1" noChangeAspect="1"/>
+          </p:cNvSpPr>
+          <p:nvPr>
+            <p:ph type="sldImg"/>
+          </p:nvPr>
+        </p:nvSpPr>
+        <p:spPr/>
+      </p:sp>
+      <p:sp>
+        <p:nvSpPr>
+          <p:cNvPr id="3" name="Notes Placeholder 2"/>
+          <p:cNvSpPr>
+            <a:spLocks noGrp="1"/>
+          </p:cNvSpPr>
+          <p:nvPr>
+            <p:ph type="body" idx="1"/>
+          </p:nvPr>
+        </p:nvSpPr>
+        <p:spPr/>
+        <p:txBody>
+          <a:bodyPr/>
+          <a:lstStyle/>
+          <a:p>
+            <a:r>
+              <a:rPr lang="en-US" dirty="0" err="1"/>
+              <a:t>Yair</a:t>
+            </a:r>
+            <a:r>
+              <a:rPr lang="en-US" dirty="0"/>
+              <a:t> is further south than the collection points for all the populations, so can give reason as to why they might be more resistant </a:t>
+            </a:r>
+            <a:r>
+              <a:rPr lang="en-US"/>
+              <a:t>or better </a:t>
+            </a:r>
+          </a:p>
+        </p:txBody>
+      </p:sp>
+      <p:sp>
+        <p:nvSpPr>
+          <p:cNvPr id="4" name="Slide Number Placeholder 3"/>
+          <p:cNvSpPr>
+            <a:spLocks noGrp="1"/>
+          </p:cNvSpPr>
+          <p:nvPr>
+            <p:ph type="sldNum" sz="quarter" idx="5"/>
+          </p:nvPr>
+        </p:nvSpPr>
+        <p:spPr/>
+        <p:txBody>
+          <a:bodyPr/>
+          <a:lstStyle/>
+          <a:p>
+            <a:fld id="{A7FC42F5-F9D3-4198-A20D-4EB7C631AFFE}" type="slidenum">
+              <a:rPr lang="en-GB" smtClean="0"/>
+              <a:pPr/>
+              <a:t>1</a:t>
+            </a:fld>
+            <a:endParaRPr lang="en-GB"/>
+          </a:p>
+        </p:txBody>
+      </p:sp>
+    </p:spTree>
+    <p:extLst>
+      <p:ext uri="{BB962C8B-B14F-4D97-AF65-F5344CB8AC3E}">
+        <p14:creationId xmlns:p14="http://schemas.microsoft.com/office/powerpoint/2010/main" val="3633934352"/>
+      </p:ext>
+    </p:extLst>
+  </p:cSld>
+  <p:clrMapOvr>
+    <a:masterClrMapping/>
+  </p:clrMapOvr>
+</p:notes>
+</file>
+
 <file path=ppt/slideLayouts/slideLayout1.xml><?xml version="1.0" encoding="utf-8"?>
 <p:sldLayout xmlns:a="http://schemas.openxmlformats.org/drawingml/2006/main" xmlns:r="http://schemas.openxmlformats.org/officeDocument/2006/relationships" xmlns:p="http://schemas.openxmlformats.org/presentationml/2006/main" type="title" preserve="1">
   <p:cSld name="Title Slide">
@@ -726,7 +822,7 @@
           </a:lstStyle>
           <a:p>
             <a:r>
-              <a:rPr lang="en-GB" dirty="0" smtClean="0"/>
+              <a:rPr lang="en-GB" dirty="0"/>
               <a:t>Click to edit the title of your presentation</a:t>
             </a:r>
             <a:endParaRPr lang="en-US" dirty="0"/>
@@ -857,7 +953,7 @@
           </a:lstStyle>
           <a:p>
             <a:r>
-              <a:rPr lang="en-GB" dirty="0" smtClean="0"/>
+              <a:rPr lang="en-GB" dirty="0"/>
               <a:t>A presentation by presenter’s name</a:t>
             </a:r>
             <a:endParaRPr lang="en-US" dirty="0"/>
@@ -882,7 +978,7 @@
             <a:fld id="{35D9EA87-F86B-934D-AA7D-293C2A807664}" type="datetimeFigureOut">
               <a:rPr lang="en-US" smtClean="0"/>
               <a:pPr/>
-              <a:t>5/14/2015</a:t>
+              <a:t>8/23/18</a:t>
             </a:fld>
             <a:endParaRPr lang="en-US"/>
           </a:p>
@@ -960,13 +1056,6 @@
   <p:clrMapOvr>
     <a:masterClrMapping/>
   </p:clrMapOvr>
-  <p:timing>
-    <p:tnLst>
-      <p:par>
-        <p:cTn id="1" dur="indefinite" restart="never" nodeType="tmRoot"/>
-      </p:par>
-    </p:tnLst>
-  </p:timing>
 </p:sldLayout>
 </file>
 
@@ -1011,7 +1100,7 @@
           <a:lstStyle/>
           <a:p>
             <a:r>
-              <a:rPr lang="en-US" smtClean="0"/>
+              <a:rPr lang="en-US"/>
               <a:t>Click to edit Master title style</a:t>
             </a:r>
             <a:endParaRPr lang="en-GB"/>
@@ -1036,7 +1125,7 @@
             <a:fld id="{35D9EA87-F86B-934D-AA7D-293C2A807664}" type="datetimeFigureOut">
               <a:rPr lang="en-US" smtClean="0"/>
               <a:pPr/>
-              <a:t>5/14/2015</a:t>
+              <a:t>8/23/18</a:t>
             </a:fld>
             <a:endParaRPr lang="en-US" dirty="0"/>
           </a:p>
@@ -1090,13 +1179,6 @@
   <p:clrMapOvr>
     <a:masterClrMapping/>
   </p:clrMapOvr>
-  <p:timing>
-    <p:tnLst>
-      <p:par>
-        <p:cTn id="1" dur="indefinite" restart="never" nodeType="tmRoot"/>
-      </p:par>
-    </p:tnLst>
-  </p:timing>
 </p:sldLayout>
 </file>
 
@@ -1138,7 +1220,7 @@
           <a:lstStyle/>
           <a:p>
             <a:r>
-              <a:rPr lang="en-US" dirty="0" smtClean="0"/>
+              <a:rPr lang="en-US" dirty="0"/>
               <a:t>Click to edit Master title style</a:t>
             </a:r>
             <a:endParaRPr lang="en-GB" dirty="0"/>
@@ -1173,35 +1255,35 @@
           <a:p>
             <a:pPr lvl="0"/>
             <a:r>
-              <a:rPr lang="en-US" smtClean="0"/>
+              <a:rPr lang="en-US"/>
               <a:t>Click to edit Master text styles</a:t>
             </a:r>
           </a:p>
           <a:p>
             <a:pPr lvl="1"/>
             <a:r>
-              <a:rPr lang="en-US" smtClean="0"/>
+              <a:rPr lang="en-US"/>
               <a:t>Second level</a:t>
             </a:r>
           </a:p>
           <a:p>
             <a:pPr lvl="2"/>
             <a:r>
-              <a:rPr lang="en-US" smtClean="0"/>
+              <a:rPr lang="en-US"/>
               <a:t>Third level</a:t>
             </a:r>
           </a:p>
           <a:p>
             <a:pPr lvl="3"/>
             <a:r>
-              <a:rPr lang="en-US" smtClean="0"/>
+              <a:rPr lang="en-US"/>
               <a:t>Fourth level</a:t>
             </a:r>
           </a:p>
           <a:p>
             <a:pPr lvl="4"/>
             <a:r>
-              <a:rPr lang="en-US" smtClean="0"/>
+              <a:rPr lang="en-US"/>
               <a:t>Fifth level</a:t>
             </a:r>
             <a:endParaRPr lang="en-US" dirty="0"/>
@@ -1296,7 +1378,7 @@
             <a:fld id="{35D9EA87-F86B-934D-AA7D-293C2A807664}" type="datetimeFigureOut">
               <a:rPr lang="en-US" smtClean="0"/>
               <a:pPr/>
-              <a:t>5/14/2015</a:t>
+              <a:t>8/23/18</a:t>
             </a:fld>
             <a:endParaRPr lang="en-US"/>
           </a:p>
@@ -1372,7 +1454,7 @@
           </a:lstStyle>
           <a:p>
             <a:r>
-              <a:rPr lang="en-US" smtClean="0"/>
+              <a:rPr lang="en-US"/>
               <a:t>Click to edit Master title style</a:t>
             </a:r>
             <a:endParaRPr lang="en-US" dirty="0"/>
@@ -1413,10 +1495,9 @@
           <a:p>
             <a:pPr lvl="0"/>
             <a:r>
-              <a:rPr lang="en-GB" dirty="0" smtClean="0"/>
+              <a:rPr lang="en-GB" dirty="0"/>
               <a:t>Subheading if required</a:t>
             </a:r>
-            <a:endParaRPr lang="en-GB" dirty="0"/>
           </a:p>
         </p:txBody>
       </p:sp>
@@ -1425,13 +1506,6 @@
   <p:clrMapOvr>
     <a:masterClrMapping/>
   </p:clrMapOvr>
-  <p:timing>
-    <p:tnLst>
-      <p:par>
-        <p:cTn id="1" dur="indefinite" restart="never" nodeType="tmRoot"/>
-      </p:par>
-    </p:tnLst>
-  </p:timing>
 </p:sldLayout>
 </file>
 
@@ -1473,7 +1547,7 @@
           <a:lstStyle/>
           <a:p>
             <a:r>
-              <a:rPr lang="en-US" smtClean="0"/>
+              <a:rPr lang="en-US"/>
               <a:t>Click to edit Master title style</a:t>
             </a:r>
             <a:endParaRPr lang="en-GB"/>
@@ -1498,7 +1572,7 @@
             <a:fld id="{35D9EA87-F86B-934D-AA7D-293C2A807664}" type="datetimeFigureOut">
               <a:rPr lang="en-US" smtClean="0"/>
               <a:pPr/>
-              <a:t>5/14/2015</a:t>
+              <a:t>8/23/18</a:t>
             </a:fld>
             <a:endParaRPr lang="en-US" dirty="0"/>
           </a:p>
@@ -1605,7 +1679,7 @@
           </a:lstStyle>
           <a:p>
             <a:r>
-              <a:rPr lang="en-US" smtClean="0"/>
+              <a:rPr lang="en-US"/>
               <a:t>Click icon to add picture</a:t>
             </a:r>
             <a:endParaRPr lang="en-US" dirty="0"/>
@@ -1674,7 +1748,7 @@
           <a:p>
             <a:pPr lvl="0"/>
             <a:r>
-              <a:rPr lang="en-GB" dirty="0" smtClean="0"/>
+              <a:rPr lang="en-GB" dirty="0"/>
               <a:t>Click to edit image caption</a:t>
             </a:r>
           </a:p>
@@ -1726,7 +1800,7 @@
           <a:lstStyle/>
           <a:p>
             <a:r>
-              <a:rPr lang="en-US" smtClean="0"/>
+              <a:rPr lang="en-US"/>
               <a:t>Click to edit Master title style</a:t>
             </a:r>
             <a:endParaRPr lang="en-GB" dirty="0"/>
@@ -1751,7 +1825,7 @@
             <a:fld id="{35D9EA87-F86B-934D-AA7D-293C2A807664}" type="datetimeFigureOut">
               <a:rPr lang="en-US" smtClean="0"/>
               <a:pPr/>
-              <a:t>5/14/2015</a:t>
+              <a:t>8/23/18</a:t>
             </a:fld>
             <a:endParaRPr lang="en-US" dirty="0"/>
           </a:p>
@@ -1858,7 +1932,7 @@
           </a:lstStyle>
           <a:p>
             <a:r>
-              <a:rPr lang="en-US" smtClean="0"/>
+              <a:rPr lang="en-US"/>
               <a:t>Click icon to add picture</a:t>
             </a:r>
             <a:endParaRPr lang="en-US" dirty="0"/>
@@ -1927,7 +2001,7 @@
           <a:p>
             <a:pPr lvl="0"/>
             <a:r>
-              <a:rPr lang="en-GB" dirty="0" smtClean="0"/>
+              <a:rPr lang="en-GB" dirty="0"/>
               <a:t>Click to edit image caption</a:t>
             </a:r>
           </a:p>
@@ -1991,7 +2065,7 @@
           </a:lstStyle>
           <a:p>
             <a:r>
-              <a:rPr lang="en-US" smtClean="0"/>
+              <a:rPr lang="en-US"/>
               <a:t>Click icon to add picture</a:t>
             </a:r>
             <a:endParaRPr lang="en-US" dirty="0"/>
@@ -2062,7 +2136,7 @@
           <a:p>
             <a:pPr lvl="0"/>
             <a:r>
-              <a:rPr lang="en-GB" dirty="0" smtClean="0"/>
+              <a:rPr lang="en-GB" dirty="0"/>
               <a:t>Click to edit image caption or to enter associated text</a:t>
             </a:r>
           </a:p>
@@ -2114,7 +2188,7 @@
           <a:lstStyle/>
           <a:p>
             <a:r>
-              <a:rPr lang="en-US" smtClean="0"/>
+              <a:rPr lang="en-US"/>
               <a:t>Click to edit Master title style</a:t>
             </a:r>
             <a:endParaRPr lang="en-GB" dirty="0"/>
@@ -2139,7 +2213,7 @@
             <a:fld id="{35D9EA87-F86B-934D-AA7D-293C2A807664}" type="datetimeFigureOut">
               <a:rPr lang="en-US" smtClean="0"/>
               <a:pPr/>
-              <a:t>5/14/2015</a:t>
+              <a:t>8/23/18</a:t>
             </a:fld>
             <a:endParaRPr lang="en-US" dirty="0"/>
           </a:p>
@@ -2246,7 +2320,7 @@
           </a:lstStyle>
           <a:p>
             <a:r>
-              <a:rPr lang="en-US" smtClean="0"/>
+              <a:rPr lang="en-US"/>
               <a:t>Click icon to add picture</a:t>
             </a:r>
             <a:endParaRPr lang="en-US" dirty="0"/>
@@ -2317,7 +2391,7 @@
           <a:p>
             <a:pPr lvl="0"/>
             <a:r>
-              <a:rPr lang="en-GB" dirty="0" smtClean="0"/>
+              <a:rPr lang="en-GB" dirty="0"/>
               <a:t>Click to edit image caption or to enter associated text</a:t>
             </a:r>
           </a:p>
@@ -2381,7 +2455,7 @@
           </a:lstStyle>
           <a:p>
             <a:r>
-              <a:rPr lang="en-US" smtClean="0"/>
+              <a:rPr lang="en-US"/>
               <a:t>Click icon to add picture</a:t>
             </a:r>
             <a:endParaRPr lang="en-US" dirty="0"/>
@@ -2446,7 +2520,7 @@
           </a:lstStyle>
           <a:p>
             <a:r>
-              <a:rPr lang="en-US" smtClean="0"/>
+              <a:rPr lang="en-US"/>
               <a:t>Click icon to add picture</a:t>
             </a:r>
             <a:endParaRPr lang="en-US" dirty="0"/>
@@ -2499,10 +2573,9 @@
           <a:lstStyle/>
           <a:p>
             <a:r>
-              <a:rPr lang="en-US" smtClean="0"/>
+              <a:rPr lang="en-US"/>
               <a:t>Click to edit Master title style</a:t>
             </a:r>
-            <a:endParaRPr lang="en-US"/>
           </a:p>
         </p:txBody>
       </p:sp>
@@ -2556,35 +2629,35 @@
           <a:p>
             <a:pPr lvl="0"/>
             <a:r>
-              <a:rPr lang="en-US" smtClean="0"/>
+              <a:rPr lang="en-US"/>
               <a:t>Click to edit Master text styles</a:t>
             </a:r>
           </a:p>
           <a:p>
             <a:pPr lvl="1"/>
             <a:r>
-              <a:rPr lang="en-US" smtClean="0"/>
+              <a:rPr lang="en-US"/>
               <a:t>Second level</a:t>
             </a:r>
           </a:p>
           <a:p>
             <a:pPr lvl="2"/>
             <a:r>
-              <a:rPr lang="en-US" smtClean="0"/>
+              <a:rPr lang="en-US"/>
               <a:t>Third level</a:t>
             </a:r>
           </a:p>
           <a:p>
             <a:pPr lvl="3"/>
             <a:r>
-              <a:rPr lang="en-US" smtClean="0"/>
+              <a:rPr lang="en-US"/>
               <a:t>Fourth level</a:t>
             </a:r>
           </a:p>
           <a:p>
             <a:pPr lvl="4"/>
             <a:r>
-              <a:rPr lang="en-US" smtClean="0"/>
+              <a:rPr lang="en-US"/>
               <a:t>Fifth level</a:t>
             </a:r>
             <a:endParaRPr lang="en-US" dirty="0"/>
@@ -2641,35 +2714,35 @@
           <a:p>
             <a:pPr lvl="0"/>
             <a:r>
-              <a:rPr lang="en-US" smtClean="0"/>
+              <a:rPr lang="en-US"/>
               <a:t>Click to edit Master text styles</a:t>
             </a:r>
           </a:p>
           <a:p>
             <a:pPr lvl="1"/>
             <a:r>
-              <a:rPr lang="en-US" smtClean="0"/>
+              <a:rPr lang="en-US"/>
               <a:t>Second level</a:t>
             </a:r>
           </a:p>
           <a:p>
             <a:pPr lvl="2"/>
             <a:r>
-              <a:rPr lang="en-US" smtClean="0"/>
+              <a:rPr lang="en-US"/>
               <a:t>Third level</a:t>
             </a:r>
           </a:p>
           <a:p>
             <a:pPr lvl="3"/>
             <a:r>
-              <a:rPr lang="en-US" smtClean="0"/>
+              <a:rPr lang="en-US"/>
               <a:t>Fourth level</a:t>
             </a:r>
           </a:p>
           <a:p>
             <a:pPr lvl="4"/>
             <a:r>
-              <a:rPr lang="en-US" smtClean="0"/>
+              <a:rPr lang="en-US"/>
               <a:t>Fifth level</a:t>
             </a:r>
             <a:endParaRPr lang="en-US" dirty="0"/>
@@ -2694,7 +2767,7 @@
             <a:fld id="{35D9EA87-F86B-934D-AA7D-293C2A807664}" type="datetimeFigureOut">
               <a:rPr lang="en-US" smtClean="0"/>
               <a:pPr/>
-              <a:t>5/14/2015</a:t>
+              <a:t>8/23/18</a:t>
             </a:fld>
             <a:endParaRPr lang="en-US"/>
           </a:p>
@@ -2793,7 +2866,7 @@
           </a:lstStyle>
           <a:p>
             <a:r>
-              <a:rPr lang="en-US" smtClean="0"/>
+              <a:rPr lang="en-US"/>
               <a:t>Click to edit Master title style</a:t>
             </a:r>
             <a:endParaRPr lang="en-US" dirty="0"/>
@@ -2864,7 +2937,7 @@
           <a:p>
             <a:pPr lvl="0"/>
             <a:r>
-              <a:rPr lang="en-US" smtClean="0"/>
+              <a:rPr lang="en-US"/>
               <a:t>Click to edit Master text styles</a:t>
             </a:r>
           </a:p>
@@ -2920,35 +2993,35 @@
           <a:p>
             <a:pPr lvl="0"/>
             <a:r>
-              <a:rPr lang="en-US" smtClean="0"/>
+              <a:rPr lang="en-US"/>
               <a:t>Click to edit Master text styles</a:t>
             </a:r>
           </a:p>
           <a:p>
             <a:pPr lvl="1"/>
             <a:r>
-              <a:rPr lang="en-US" smtClean="0"/>
+              <a:rPr lang="en-US"/>
               <a:t>Second level</a:t>
             </a:r>
           </a:p>
           <a:p>
             <a:pPr lvl="2"/>
             <a:r>
-              <a:rPr lang="en-US" smtClean="0"/>
+              <a:rPr lang="en-US"/>
               <a:t>Third level</a:t>
             </a:r>
           </a:p>
           <a:p>
             <a:pPr lvl="3"/>
             <a:r>
-              <a:rPr lang="en-US" smtClean="0"/>
+              <a:rPr lang="en-US"/>
               <a:t>Fourth level</a:t>
             </a:r>
           </a:p>
           <a:p>
             <a:pPr lvl="4"/>
             <a:r>
-              <a:rPr lang="en-US" smtClean="0"/>
+              <a:rPr lang="en-US"/>
               <a:t>Fifth level</a:t>
             </a:r>
             <a:endParaRPr lang="en-US" dirty="0"/>
@@ -3019,7 +3092,7 @@
           <a:p>
             <a:pPr lvl="0"/>
             <a:r>
-              <a:rPr lang="en-US" smtClean="0"/>
+              <a:rPr lang="en-US"/>
               <a:t>Click to edit Master text styles</a:t>
             </a:r>
           </a:p>
@@ -3075,35 +3148,35 @@
           <a:p>
             <a:pPr lvl="0"/>
             <a:r>
-              <a:rPr lang="en-US" smtClean="0"/>
+              <a:rPr lang="en-US"/>
               <a:t>Click to edit Master text styles</a:t>
             </a:r>
           </a:p>
           <a:p>
             <a:pPr lvl="1"/>
             <a:r>
-              <a:rPr lang="en-US" smtClean="0"/>
+              <a:rPr lang="en-US"/>
               <a:t>Second level</a:t>
             </a:r>
           </a:p>
           <a:p>
             <a:pPr lvl="2"/>
             <a:r>
-              <a:rPr lang="en-US" smtClean="0"/>
+              <a:rPr lang="en-US"/>
               <a:t>Third level</a:t>
             </a:r>
           </a:p>
           <a:p>
             <a:pPr lvl="3"/>
             <a:r>
-              <a:rPr lang="en-US" smtClean="0"/>
+              <a:rPr lang="en-US"/>
               <a:t>Fourth level</a:t>
             </a:r>
           </a:p>
           <a:p>
             <a:pPr lvl="4"/>
             <a:r>
-              <a:rPr lang="en-US" smtClean="0"/>
+              <a:rPr lang="en-US"/>
               <a:t>Fifth level</a:t>
             </a:r>
             <a:endParaRPr lang="en-US" dirty="0"/>
@@ -3128,7 +3201,7 @@
             <a:fld id="{35D9EA87-F86B-934D-AA7D-293C2A807664}" type="datetimeFigureOut">
               <a:rPr lang="en-US" smtClean="0"/>
               <a:pPr/>
-              <a:t>5/14/2015</a:t>
+              <a:t>8/23/18</a:t>
             </a:fld>
             <a:endParaRPr lang="en-US"/>
           </a:p>
@@ -3223,7 +3296,7 @@
           <a:lstStyle/>
           <a:p>
             <a:r>
-              <a:rPr lang="en-US" smtClean="0"/>
+              <a:rPr lang="en-US"/>
               <a:t>Click to edit Master title style</a:t>
             </a:r>
             <a:endParaRPr lang="en-US" dirty="0"/>
@@ -3248,7 +3321,7 @@
             <a:fld id="{35D9EA87-F86B-934D-AA7D-293C2A807664}" type="datetimeFigureOut">
               <a:rPr lang="en-US" smtClean="0"/>
               <a:pPr/>
-              <a:t>5/14/2015</a:t>
+              <a:t>8/23/18</a:t>
             </a:fld>
             <a:endParaRPr lang="en-US"/>
           </a:p>
@@ -3362,7 +3435,7 @@
           <a:lstStyle/>
           <a:p>
             <a:r>
-              <a:rPr lang="en-US" smtClean="0"/>
+              <a:rPr lang="en-US"/>
               <a:t>Click to edit Master title style</a:t>
             </a:r>
             <a:endParaRPr lang="en-US" dirty="0"/>
@@ -3396,35 +3469,35 @@
           <a:p>
             <a:pPr lvl="0"/>
             <a:r>
-              <a:rPr lang="en-US" smtClean="0"/>
+              <a:rPr lang="en-US"/>
               <a:t>Click to edit Master text styles</a:t>
             </a:r>
           </a:p>
           <a:p>
             <a:pPr lvl="1"/>
             <a:r>
-              <a:rPr lang="en-US" smtClean="0"/>
+              <a:rPr lang="en-US"/>
               <a:t>Second level</a:t>
             </a:r>
           </a:p>
           <a:p>
             <a:pPr lvl="2"/>
             <a:r>
-              <a:rPr lang="en-US" smtClean="0"/>
+              <a:rPr lang="en-US"/>
               <a:t>Third level</a:t>
             </a:r>
           </a:p>
           <a:p>
             <a:pPr lvl="3"/>
             <a:r>
-              <a:rPr lang="en-US" smtClean="0"/>
+              <a:rPr lang="en-US"/>
               <a:t>Fourth level</a:t>
             </a:r>
           </a:p>
           <a:p>
             <a:pPr lvl="4"/>
             <a:r>
-              <a:rPr lang="en-US" smtClean="0"/>
+              <a:rPr lang="en-US"/>
               <a:t>Fifth level</a:t>
             </a:r>
             <a:endParaRPr lang="en-US" dirty="0"/>
@@ -3467,7 +3540,7 @@
             <a:fld id="{35D9EA87-F86B-934D-AA7D-293C2A807664}" type="datetimeFigureOut">
               <a:rPr lang="en-US" smtClean="0"/>
               <a:pPr/>
-              <a:t>5/14/2015</a:t>
+              <a:t>8/23/18</a:t>
             </a:fld>
             <a:endParaRPr lang="en-US" dirty="0"/>
           </a:p>
@@ -3878,7 +3951,7 @@
           <p:nvPr/>
         </p:nvPicPr>
         <p:blipFill>
-          <a:blip r:embed="rId2">
+          <a:blip r:embed="rId3">
             <a:extLst>
               <a:ext uri="{28A0092B-C50C-407E-A947-70E740481C1C}">
                 <a14:useLocalDpi xmlns:a14="http://schemas.microsoft.com/office/drawing/2010/main" val="0"/>
@@ -3997,7 +4070,7 @@
           <a:lstStyle/>
           <a:p>
             <a:r>
-              <a:rPr lang="en-GB" sz="2000" dirty="0" smtClean="0">
+              <a:rPr lang="en-GB" sz="2000" dirty="0">
                 <a:latin typeface="+mj-lt"/>
                 <a:cs typeface="Calibri"/>
               </a:rPr>
@@ -4032,7 +4105,7 @@
           <a:p>
             <a:pPr algn="ctr"/>
             <a:r>
-              <a:rPr lang="en-GB" sz="2000" dirty="0" smtClean="0">
+              <a:rPr lang="en-GB" sz="2000" dirty="0">
                 <a:solidFill>
                   <a:srgbClr val="FFFFFF"/>
                 </a:solidFill>
@@ -4045,7 +4118,7 @@
           <a:p>
             <a:pPr algn="ctr"/>
             <a:r>
-              <a:rPr lang="en-GB" sz="2000" dirty="0" smtClean="0">
+              <a:rPr lang="en-GB" sz="2000" dirty="0">
                 <a:solidFill>
                   <a:srgbClr val="FFFFFF"/>
                 </a:solidFill>
@@ -4089,7 +4162,7 @@
           <a:lstStyle/>
           <a:p>
             <a:r>
-              <a:rPr lang="en-GB" sz="2800" b="1" dirty="0" smtClean="0">
+              <a:rPr lang="en-GB" sz="2800" b="1" dirty="0">
                 <a:solidFill>
                   <a:srgbClr val="862576"/>
                 </a:solidFill>
@@ -4099,7 +4172,7 @@
               <a:t>Scots pine common garden experiment </a:t>
             </a:r>
             <a:r>
-              <a:rPr lang="en-GB" b="1" dirty="0" smtClean="0">
+              <a:rPr lang="en-GB" b="1" dirty="0">
                 <a:solidFill>
                   <a:srgbClr val="862576"/>
                 </a:solidFill>
@@ -4238,7 +4311,7 @@
           <a:lstStyle/>
           <a:p>
             <a:r>
-              <a:rPr lang="en-GB" sz="1600" dirty="0" smtClean="0">
+              <a:rPr lang="en-GB" sz="1600" dirty="0">
                 <a:latin typeface="Calibri"/>
                 <a:cs typeface="Calibri"/>
               </a:rPr>
@@ -4284,7 +4357,7 @@
           <a:p>
             <a:pPr algn="ctr"/>
             <a:r>
-              <a:rPr lang="en-GB" sz="1600" dirty="0" smtClean="0">
+              <a:rPr lang="en-GB" sz="1600" dirty="0">
                 <a:latin typeface="Calibri"/>
                 <a:cs typeface="Calibri"/>
               </a:rPr>
@@ -4330,7 +4403,7 @@
           <a:p>
             <a:pPr algn="ctr"/>
             <a:r>
-              <a:rPr lang="en-GB" sz="1600" dirty="0" smtClean="0">
+              <a:rPr lang="en-GB" sz="1600" dirty="0">
                 <a:latin typeface="Calibri"/>
                 <a:cs typeface="Calibri"/>
               </a:rPr>
@@ -4371,17 +4444,6 @@
           <a:lstStyle/>
           <a:p>
             <a:r>
-              <a:rPr lang="en-GB" sz="1400" b="1" dirty="0" smtClean="0">
-                <a:solidFill>
-                  <a:schemeClr val="accent3">
-                    <a:lumMod val="50000"/>
-                  </a:schemeClr>
-                </a:solidFill>
-                <a:cs typeface="Calibri"/>
-              </a:rPr>
-              <a:t>21 </a:t>
-            </a:r>
-            <a:r>
               <a:rPr lang="en-GB" sz="1400" b="1" dirty="0">
                 <a:solidFill>
                   <a:schemeClr val="accent3">
@@ -4390,12 +4452,12 @@
                 </a:solidFill>
                 <a:cs typeface="Calibri"/>
               </a:rPr>
-              <a:t>origin populations x 8 families </a:t>
-            </a:r>
-          </a:p>
-          <a:p>
-            <a:r>
-              <a:rPr lang="en-GB" sz="1400" b="1" dirty="0" err="1" smtClean="0">
+              <a:t>21 origin populations x 8 families </a:t>
+            </a:r>
+          </a:p>
+          <a:p>
+            <a:r>
+              <a:rPr lang="en-GB" sz="1400" b="1" dirty="0" err="1">
                 <a:solidFill>
                   <a:schemeClr val="accent3">
                     <a:lumMod val="50000"/>
@@ -4414,23 +4476,12 @@
                 </a:solidFill>
                 <a:cs typeface="Calibri"/>
               </a:rPr>
-              <a:t>: x 4 </a:t>
-            </a:r>
-            <a:r>
-              <a:rPr lang="en-GB" sz="1400" b="1" dirty="0" smtClean="0">
-                <a:solidFill>
-                  <a:schemeClr val="accent3">
-                    <a:lumMod val="50000"/>
-                  </a:schemeClr>
-                </a:solidFill>
-                <a:cs typeface="Calibri"/>
-              </a:rPr>
-              <a:t>replicates(blocks)</a:t>
-            </a:r>
-          </a:p>
-          <a:p>
-            <a:r>
-              <a:rPr lang="en-GB" sz="1400" b="1" dirty="0" err="1" smtClean="0">
+              <a:t>: x 4 replicates(blocks)</a:t>
+            </a:r>
+          </a:p>
+          <a:p>
+            <a:r>
+              <a:rPr lang="en-GB" sz="1400" b="1" dirty="0" err="1">
                 <a:solidFill>
                   <a:schemeClr val="accent3">
                     <a:lumMod val="50000"/>
@@ -4454,7 +4505,7 @@
           </a:p>
           <a:p>
             <a:r>
-              <a:rPr lang="en-GB" sz="1400" b="1" dirty="0" err="1" smtClean="0">
+              <a:rPr lang="en-GB" sz="1400" b="1" dirty="0" err="1">
                 <a:solidFill>
                   <a:schemeClr val="accent3">
                     <a:lumMod val="50000"/>
@@ -4465,17 +4516,6 @@
               <a:t>Yair</a:t>
             </a:r>
             <a:r>
-              <a:rPr lang="en-GB" sz="1400" b="1" dirty="0" smtClean="0">
-                <a:solidFill>
-                  <a:schemeClr val="accent3">
-                    <a:lumMod val="50000"/>
-                  </a:schemeClr>
-                </a:solidFill>
-                <a:cs typeface="Calibri"/>
-              </a:rPr>
-              <a:t> </a:t>
-            </a:r>
-            <a:r>
               <a:rPr lang="en-GB" sz="1400" b="1" dirty="0">
                 <a:solidFill>
                   <a:schemeClr val="accent3">
@@ -4484,29 +4524,7 @@
                 </a:solidFill>
                 <a:cs typeface="Calibri"/>
               </a:rPr>
-              <a:t>: x 4 replicates (blocks</a:t>
-            </a:r>
-            <a:r>
-              <a:rPr lang="en-GB" sz="1400" b="1" dirty="0" smtClean="0">
-                <a:solidFill>
-                  <a:schemeClr val="accent3">
-                    <a:lumMod val="50000"/>
-                  </a:schemeClr>
-                </a:solidFill>
-                <a:cs typeface="Calibri"/>
-              </a:rPr>
-              <a:t>)</a:t>
-            </a:r>
-            <a:r>
-              <a:rPr lang="en-GB" sz="1400" b="1" dirty="0">
-                <a:solidFill>
-                  <a:schemeClr val="accent3">
-                    <a:lumMod val="50000"/>
-                  </a:schemeClr>
-                </a:solidFill>
-                <a:cs typeface="Calibri"/>
-              </a:rPr>
-              <a:t>	</a:t>
+              <a:t> : x 4 replicates (blocks)	</a:t>
             </a:r>
           </a:p>
         </p:txBody>
